--- a/Materials/Eclipse Vert-0.pptx
+++ b/Materials/Eclipse Vert-0.pptx
@@ -319,7 +319,7 @@
           <a:p>
             <a:fld id="{20EA5F0D-C1DC-412F-A146-DDB3A74B588F}" type="datetimeFigureOut">
               <a:rPr lang="en-US"/>
-              <a:t>10/4/2020</a:t>
+              <a:t>10/19/2020</a:t>
             </a:fld>
             <a:endParaRPr/>
           </a:p>
@@ -484,7 +484,7 @@
           <a:p>
             <a:fld id="{A8CDE508-72C8-4AB5-AA9C-1584D31690E0}" type="datetimeFigureOut">
               <a:rPr lang="en-US"/>
-              <a:t>10/4/2020</a:t>
+              <a:t>10/19/2020</a:t>
             </a:fld>
             <a:endParaRPr/>
           </a:p>
@@ -1518,7 +1518,7 @@
           <a:p>
             <a:fld id="{9E583DDF-CA54-461A-A486-592D2374C532}" type="datetimeFigureOut">
               <a:rPr lang="en-US"/>
-              <a:t>10/4/2020</a:t>
+              <a:t>10/19/2020</a:t>
             </a:fld>
             <a:endParaRPr/>
           </a:p>
@@ -1713,7 +1713,7 @@
           <a:p>
             <a:fld id="{9E583DDF-CA54-461A-A486-592D2374C532}" type="datetimeFigureOut">
               <a:rPr lang="en-US"/>
-              <a:t>10/4/2020</a:t>
+              <a:t>10/19/2020</a:t>
             </a:fld>
             <a:endParaRPr/>
           </a:p>
@@ -1933,7 +1933,7 @@
           <a:p>
             <a:fld id="{9E583DDF-CA54-461A-A486-592D2374C532}" type="datetimeFigureOut">
               <a:rPr lang="en-US"/>
-              <a:t>10/4/2020</a:t>
+              <a:t>10/19/2020</a:t>
             </a:fld>
             <a:endParaRPr/>
           </a:p>
@@ -2211,7 +2211,7 @@
           <a:p>
             <a:fld id="{9E583DDF-CA54-461A-A486-592D2374C532}" type="datetimeFigureOut">
               <a:rPr lang="en-US"/>
-              <a:t>10/4/2020</a:t>
+              <a:t>10/19/2020</a:t>
             </a:fld>
             <a:endParaRPr/>
           </a:p>
@@ -2516,7 +2516,7 @@
           <a:p>
             <a:fld id="{1DDA72D1-64D5-4552-ACDD-1CCE5F7F800D}" type="datetimeFigureOut">
               <a:rPr lang="en-US"/>
-              <a:t>10/4/2020</a:t>
+              <a:t>10/19/2020</a:t>
             </a:fld>
             <a:endParaRPr/>
           </a:p>
@@ -2971,7 +2971,7 @@
           <a:p>
             <a:fld id="{9E583DDF-CA54-461A-A486-592D2374C532}" type="datetimeFigureOut">
               <a:rPr lang="en-US"/>
-              <a:t>10/4/2020</a:t>
+              <a:t>10/19/2020</a:t>
             </a:fld>
             <a:endParaRPr/>
           </a:p>
@@ -3104,7 +3104,7 @@
           <a:p>
             <a:fld id="{9E583DDF-CA54-461A-A486-592D2374C532}" type="datetimeFigureOut">
               <a:rPr lang="en-US"/>
-              <a:t>10/4/2020</a:t>
+              <a:t>10/19/2020</a:t>
             </a:fld>
             <a:endParaRPr/>
           </a:p>
@@ -3214,7 +3214,7 @@
           <a:p>
             <a:fld id="{9E583DDF-CA54-461A-A486-592D2374C532}" type="datetimeFigureOut">
               <a:rPr lang="en-US"/>
-              <a:t>10/4/2020</a:t>
+              <a:t>10/19/2020</a:t>
             </a:fld>
             <a:endParaRPr/>
           </a:p>
@@ -3521,7 +3521,7 @@
           <a:p>
             <a:fld id="{9E583DDF-CA54-461A-A486-592D2374C532}" type="datetimeFigureOut">
               <a:rPr lang="en-US"/>
-              <a:t>10/4/2020</a:t>
+              <a:t>10/19/2020</a:t>
             </a:fld>
             <a:endParaRPr/>
           </a:p>
@@ -3841,7 +3841,7 @@
             <a:fld id="{03F41C87-7AD9-4845-A077-840E4A0F3F06}" type="datetimeFigureOut">
               <a:rPr lang="en-US"/>
               <a:pPr/>
-              <a:t>10/4/2020</a:t>
+              <a:t>10/19/2020</a:t>
             </a:fld>
             <a:endParaRPr/>
           </a:p>
@@ -4466,7 +4466,7 @@
             <a:fld id="{9E583DDF-CA54-461A-A486-592D2374C532}" type="datetimeFigureOut">
               <a:rPr lang="en-US" smtClean="0"/>
               <a:pPr/>
-              <a:t>10/4/2020</a:t>
+              <a:t>10/19/2020</a:t>
             </a:fld>
             <a:endParaRPr lang="en-US"/>
           </a:p>
@@ -5067,7 +5067,7 @@
         </p:blipFill>
         <p:spPr>
           <a:xfrm>
-            <a:off x="766021" y="-264497"/>
+            <a:off x="749030" y="330307"/>
             <a:ext cx="9975959" cy="5631418"/>
           </a:xfrm>
           <a:prstGeom prst="rect">
@@ -5169,7 +5169,7 @@
         </p:blipFill>
         <p:spPr>
           <a:xfrm>
-            <a:off x="140453" y="88777"/>
+            <a:off x="318006" y="88777"/>
             <a:ext cx="10472910" cy="5126854"/>
           </a:xfrm>
           <a:prstGeom prst="rect">
@@ -10170,13 +10170,13 @@
   <p:clrMapOvr>
     <a:masterClrMapping/>
   </p:clrMapOvr>
-  <mc:AlternateContent xmlns:mc="http://schemas.openxmlformats.org/markup-compatibility/2006">
-    <mc:Choice xmlns:p14="http://schemas.microsoft.com/office/powerpoint/2010/main" Requires="p14">
+  <mc:AlternateContent xmlns:mc="http://schemas.openxmlformats.org/markup-compatibility/2006" xmlns:p14="http://schemas.microsoft.com/office/powerpoint/2010/main">
+    <mc:Choice Requires="p14">
       <p:transition spd="med" p14:dur="700">
         <p:fade/>
       </p:transition>
     </mc:Choice>
-    <mc:Fallback>
+    <mc:Fallback xmlns="">
       <p:transition spd="med">
         <p:fade/>
       </p:transition>
